--- a/tema2/proyecto/Reconocimiento de objetos por IA.pptx
+++ b/tema2/proyecto/Reconocimiento de objetos por IA.pptx
@@ -107,6 +107,11 @@
       </a:defRPr>
     </a:lvl9pPr>
   </p:defaultTextStyle>
+  <p:extLst>
+    <p:ext uri="{EFAFB233-063F-42B5-8137-9DF3F51BA10A}">
+      <p15:sldGuideLst xmlns:p15="http://schemas.microsoft.com/office/powerpoint/2012/main"/>
+    </p:ext>
+  </p:extLst>
 </p:presentation>
 </file>
 
@@ -257,7 +262,7 @@
           <a:p>
             <a:fld id="{76969C88-B244-455D-A017-012B25B1ACDD}" type="datetimeFigureOut">
               <a:rPr lang="en-US" smtClean="0"/>
-              <a:t>11/25/2024</a:t>
+              <a:t>11/27/2024</a:t>
             </a:fld>
             <a:endParaRPr lang="en-US"/>
           </a:p>
@@ -455,7 +460,7 @@
           <a:p>
             <a:fld id="{76969C88-B244-455D-A017-012B25B1ACDD}" type="datetimeFigureOut">
               <a:rPr lang="en-US" smtClean="0"/>
-              <a:t>11/25/2024</a:t>
+              <a:t>11/27/2024</a:t>
             </a:fld>
             <a:endParaRPr lang="en-US"/>
           </a:p>
@@ -663,7 +668,7 @@
           <a:p>
             <a:fld id="{76969C88-B244-455D-A017-012B25B1ACDD}" type="datetimeFigureOut">
               <a:rPr lang="en-US" smtClean="0"/>
-              <a:t>11/25/2024</a:t>
+              <a:t>11/27/2024</a:t>
             </a:fld>
             <a:endParaRPr lang="en-US"/>
           </a:p>
@@ -862,7 +867,7 @@
           <a:p>
             <a:fld id="{76969C88-B244-455D-A017-012B25B1ACDD}" type="datetimeFigureOut">
               <a:rPr lang="en-US" smtClean="0"/>
-              <a:t>11/25/2024</a:t>
+              <a:t>11/27/2024</a:t>
             </a:fld>
             <a:endParaRPr lang="en-US"/>
           </a:p>
@@ -1137,7 +1142,7 @@
           <a:p>
             <a:fld id="{76969C88-B244-455D-A017-012B25B1ACDD}" type="datetimeFigureOut">
               <a:rPr lang="en-US" smtClean="0"/>
-              <a:t>11/25/2024</a:t>
+              <a:t>11/27/2024</a:t>
             </a:fld>
             <a:endParaRPr lang="en-US"/>
           </a:p>
@@ -1402,7 +1407,7 @@
           <a:p>
             <a:fld id="{76969C88-B244-455D-A017-012B25B1ACDD}" type="datetimeFigureOut">
               <a:rPr lang="en-US" smtClean="0"/>
-              <a:t>11/25/2024</a:t>
+              <a:t>11/27/2024</a:t>
             </a:fld>
             <a:endParaRPr lang="en-US"/>
           </a:p>
@@ -1814,7 +1819,7 @@
           <a:p>
             <a:fld id="{76969C88-B244-455D-A017-012B25B1ACDD}" type="datetimeFigureOut">
               <a:rPr lang="en-US" smtClean="0"/>
-              <a:t>11/25/2024</a:t>
+              <a:t>11/27/2024</a:t>
             </a:fld>
             <a:endParaRPr lang="en-US"/>
           </a:p>
@@ -1955,7 +1960,7 @@
           <a:p>
             <a:fld id="{76969C88-B244-455D-A017-012B25B1ACDD}" type="datetimeFigureOut">
               <a:rPr lang="en-US" smtClean="0"/>
-              <a:t>11/25/2024</a:t>
+              <a:t>11/27/2024</a:t>
             </a:fld>
             <a:endParaRPr lang="en-US"/>
           </a:p>
@@ -2068,7 +2073,7 @@
           <a:p>
             <a:fld id="{76969C88-B244-455D-A017-012B25B1ACDD}" type="datetimeFigureOut">
               <a:rPr lang="en-US" smtClean="0"/>
-              <a:t>11/25/2024</a:t>
+              <a:t>11/27/2024</a:t>
             </a:fld>
             <a:endParaRPr lang="en-US"/>
           </a:p>
@@ -2380,7 +2385,7 @@
           <a:p>
             <a:fld id="{76969C88-B244-455D-A017-012B25B1ACDD}" type="datetimeFigureOut">
               <a:rPr lang="en-US" smtClean="0"/>
-              <a:t>11/25/2024</a:t>
+              <a:t>11/27/2024</a:t>
             </a:fld>
             <a:endParaRPr lang="en-US"/>
           </a:p>
@@ -2671,7 +2676,7 @@
           <a:p>
             <a:fld id="{76969C88-B244-455D-A017-012B25B1ACDD}" type="datetimeFigureOut">
               <a:rPr lang="en-US" smtClean="0"/>
-              <a:t>11/25/2024</a:t>
+              <a:t>11/27/2024</a:t>
             </a:fld>
             <a:endParaRPr lang="en-US"/>
           </a:p>
@@ -3427,7 +3432,7 @@
             <a:fld id="{76969C88-B244-455D-A017-012B25B1ACDD}" type="datetimeFigureOut">
               <a:rPr lang="en-US" smtClean="0"/>
               <a:pPr/>
-              <a:t>11/25/2024</a:t>
+              <a:t>11/27/2024</a:t>
             </a:fld>
             <a:endParaRPr lang="en-US"/>
           </a:p>
@@ -4435,7 +4440,7 @@
             <a:pPr algn="l"/>
             <a:r>
               <a:rPr lang="es-ES" sz="3700" dirty="0"/>
-              <a:t>Reconocimiento de objetos por IA</a:t>
+              <a:t>Sistema de detección de objetos por IA</a:t>
             </a:r>
           </a:p>
         </p:txBody>
@@ -4841,7 +4846,7 @@
         </p:blipFill>
         <p:spPr>
           <a:xfrm>
-            <a:off x="4817976" y="87084"/>
+            <a:off x="4891666" y="861154"/>
             <a:ext cx="2728336" cy="2567846"/>
           </a:xfrm>
         </p:spPr>
@@ -4889,14 +4894,11 @@
           <a:p>
             <a:r>
               <a:rPr lang="es-ES" dirty="0"/>
-              <a:t>Transformers</a:t>
-            </a:r>
-          </a:p>
-          <a:p>
-            <a:r>
-              <a:rPr lang="es-ES" dirty="0"/>
-              <a:t>Pipeline</a:t>
-            </a:r>
+              <a:t>Transformers pipeline</a:t>
+            </a:r>
+          </a:p>
+          <a:p>
+            <a:endParaRPr lang="es-ES" dirty="0"/>
           </a:p>
         </p:txBody>
       </p:sp>
@@ -4928,7 +4930,7 @@
         </p:blipFill>
         <p:spPr>
           <a:xfrm>
-            <a:off x="4817976" y="2654930"/>
+            <a:off x="4891666" y="3429000"/>
             <a:ext cx="2728336" cy="2508036"/>
           </a:xfrm>
           <a:prstGeom prst="rect">
@@ -4964,44 +4966,8 @@
         </p:blipFill>
         <p:spPr>
           <a:xfrm>
-            <a:off x="6576959" y="5180241"/>
-            <a:ext cx="2876550" cy="1590675"/>
-          </a:xfrm>
-          <a:prstGeom prst="rect">
-            <a:avLst/>
-          </a:prstGeom>
-        </p:spPr>
-      </p:pic>
-      <p:pic>
-        <p:nvPicPr>
-          <p:cNvPr id="14" name="Imagen 13" descr="Diagrama&#10;&#10;Descripción generada automáticamente">
-            <a:extLst>
-              <a:ext uri="{FF2B5EF4-FFF2-40B4-BE49-F238E27FC236}">
-                <a16:creationId xmlns:a16="http://schemas.microsoft.com/office/drawing/2014/main" id="{C0331F4A-496B-C501-9983-7E00F8B119C7}"/>
-              </a:ext>
-            </a:extLst>
-          </p:cNvPr>
-          <p:cNvPicPr>
-            <a:picLocks noChangeAspect="1"/>
-          </p:cNvPicPr>
-          <p:nvPr/>
-        </p:nvPicPr>
-        <p:blipFill>
-          <a:blip r:embed="rId5">
-            <a:extLst>
-              <a:ext uri="{28A0092B-C50C-407E-A947-70E740481C1C}">
-                <a14:useLocalDpi xmlns:a14="http://schemas.microsoft.com/office/drawing/2010/main" val="0"/>
-              </a:ext>
-            </a:extLst>
-          </a:blip>
-          <a:stretch>
-            <a:fillRect/>
-          </a:stretch>
-        </p:blipFill>
-        <p:spPr>
-          <a:xfrm>
-            <a:off x="7546312" y="2588644"/>
-            <a:ext cx="3506875" cy="2593206"/>
+            <a:off x="7620002" y="3362714"/>
+            <a:ext cx="3497766" cy="2574322"/>
           </a:xfrm>
           <a:prstGeom prst="rect">
             <a:avLst/>
@@ -5023,7 +4989,7 @@
           <p:nvPr/>
         </p:nvPicPr>
         <p:blipFill>
-          <a:blip r:embed="rId6">
+          <a:blip r:embed="rId5">
             <a:extLst>
               <a:ext uri="{28A0092B-C50C-407E-A947-70E740481C1C}">
                 <a14:useLocalDpi xmlns:a14="http://schemas.microsoft.com/office/drawing/2010/main" val="0"/>
@@ -5036,7 +5002,7 @@
         </p:blipFill>
         <p:spPr>
           <a:xfrm>
-            <a:off x="7546312" y="123824"/>
+            <a:off x="7620002" y="897894"/>
             <a:ext cx="3506875" cy="2464820"/>
           </a:xfrm>
           <a:prstGeom prst="rect">
